--- a/로그인 화면 수정.pptx
+++ b/로그인 화면 수정.pptx
@@ -3728,7 +3728,7 @@
           <a:noFill/>
           <a:ln>
             <a:solidFill>
-              <a:srgbClr val="FFFF00"/>
+              <a:schemeClr val="accent1"/>
             </a:solidFill>
           </a:ln>
         </p:spPr>
@@ -3780,7 +3780,7 @@
           <a:noFill/>
           <a:ln>
             <a:solidFill>
-              <a:srgbClr val="FFFF00"/>
+              <a:srgbClr val="0070C0"/>
             </a:solidFill>
           </a:ln>
         </p:spPr>
@@ -3832,7 +3832,7 @@
           <a:noFill/>
           <a:ln>
             <a:solidFill>
-              <a:srgbClr val="FFFF00"/>
+              <a:srgbClr val="0070C0"/>
             </a:solidFill>
           </a:ln>
         </p:spPr>
@@ -4094,7 +4094,7 @@
           <a:noFill/>
           <a:ln>
             <a:solidFill>
-              <a:srgbClr val="FFFF00"/>
+              <a:srgbClr val="0070C0"/>
             </a:solidFill>
           </a:ln>
         </p:spPr>
@@ -4125,96 +4125,6 @@
       </p:sp>
       <p:cxnSp>
         <p:nvCxnSpPr>
-          <p:cNvPr id="40" name="직선 화살표 연결선 39">
-            <a:extLst>
-              <a:ext uri="{FF2B5EF4-FFF2-40B4-BE49-F238E27FC236}">
-                <a16:creationId xmlns:a16="http://schemas.microsoft.com/office/drawing/2014/main" id="{27F4AAFE-B68E-4694-B43C-A19BFDE4F7F6}"/>
-              </a:ext>
-            </a:extLst>
-          </p:cNvPr>
-          <p:cNvCxnSpPr>
-            <a:cxnSpLocks/>
-            <a:stCxn id="100" idx="3"/>
-          </p:cNvCxnSpPr>
-          <p:nvPr/>
-        </p:nvCxnSpPr>
-        <p:spPr>
-          <a:xfrm flipV="1">
-            <a:off x="6429421" y="2041506"/>
-            <a:ext cx="1571397" cy="1661892"/>
-          </a:xfrm>
-          <a:prstGeom prst="straightConnector1">
-            <a:avLst/>
-          </a:prstGeom>
-          <a:ln>
-            <a:solidFill>
-              <a:srgbClr val="FFFF00"/>
-            </a:solidFill>
-            <a:tailEnd type="triangle"/>
-          </a:ln>
-        </p:spPr>
-        <p:style>
-          <a:lnRef idx="3">
-            <a:schemeClr val="accent4"/>
-          </a:lnRef>
-          <a:fillRef idx="0">
-            <a:schemeClr val="accent4"/>
-          </a:fillRef>
-          <a:effectRef idx="2">
-            <a:schemeClr val="accent4"/>
-          </a:effectRef>
-          <a:fontRef idx="minor">
-            <a:schemeClr val="tx1"/>
-          </a:fontRef>
-        </p:style>
-      </p:cxnSp>
-      <p:cxnSp>
-        <p:nvCxnSpPr>
-          <p:cNvPr id="42" name="직선 화살표 연결선 41">
-            <a:extLst>
-              <a:ext uri="{FF2B5EF4-FFF2-40B4-BE49-F238E27FC236}">
-                <a16:creationId xmlns:a16="http://schemas.microsoft.com/office/drawing/2014/main" id="{4900C818-2BFC-45ED-B0F6-132561337436}"/>
-              </a:ext>
-            </a:extLst>
-          </p:cNvPr>
-          <p:cNvCxnSpPr>
-            <a:cxnSpLocks/>
-            <a:endCxn id="38" idx="1"/>
-          </p:cNvCxnSpPr>
-          <p:nvPr/>
-        </p:nvCxnSpPr>
-        <p:spPr>
-          <a:xfrm>
-            <a:off x="6429421" y="3675501"/>
-            <a:ext cx="1553349" cy="1336374"/>
-          </a:xfrm>
-          <a:prstGeom prst="straightConnector1">
-            <a:avLst/>
-          </a:prstGeom>
-          <a:ln>
-            <a:solidFill>
-              <a:srgbClr val="FFFF00"/>
-            </a:solidFill>
-            <a:tailEnd type="triangle"/>
-          </a:ln>
-        </p:spPr>
-        <p:style>
-          <a:lnRef idx="3">
-            <a:schemeClr val="accent4"/>
-          </a:lnRef>
-          <a:fillRef idx="0">
-            <a:schemeClr val="accent4"/>
-          </a:fillRef>
-          <a:effectRef idx="2">
-            <a:schemeClr val="accent4"/>
-          </a:effectRef>
-          <a:fontRef idx="minor">
-            <a:schemeClr val="tx1"/>
-          </a:fontRef>
-        </p:style>
-      </p:cxnSp>
-      <p:cxnSp>
-        <p:nvCxnSpPr>
           <p:cNvPr id="57" name="연결선: 꺾임 56">
             <a:extLst>
               <a:ext uri="{FF2B5EF4-FFF2-40B4-BE49-F238E27FC236}">
@@ -4239,6 +4149,232 @@
             <a:solidFill>
               <a:srgbClr val="FF0000"/>
             </a:solidFill>
+            <a:tailEnd type="triangle"/>
+          </a:ln>
+        </p:spPr>
+        <p:style>
+          <a:lnRef idx="3">
+            <a:schemeClr val="accent1"/>
+          </a:lnRef>
+          <a:fillRef idx="0">
+            <a:schemeClr val="accent1"/>
+          </a:fillRef>
+          <a:effectRef idx="2">
+            <a:schemeClr val="accent1"/>
+          </a:effectRef>
+          <a:fontRef idx="minor">
+            <a:schemeClr val="tx1"/>
+          </a:fontRef>
+        </p:style>
+      </p:cxnSp>
+      <p:cxnSp>
+        <p:nvCxnSpPr>
+          <p:cNvPr id="37" name="직선 연결선 36">
+            <a:extLst>
+              <a:ext uri="{FF2B5EF4-FFF2-40B4-BE49-F238E27FC236}">
+                <a16:creationId xmlns:a16="http://schemas.microsoft.com/office/drawing/2014/main" id="{4B76639B-071A-43A2-8552-15FC66D31917}"/>
+              </a:ext>
+            </a:extLst>
+          </p:cNvPr>
+          <p:cNvCxnSpPr>
+            <a:stCxn id="100" idx="3"/>
+          </p:cNvCxnSpPr>
+          <p:nvPr/>
+        </p:nvCxnSpPr>
+        <p:spPr>
+          <a:xfrm flipV="1">
+            <a:off x="6429421" y="3703397"/>
+            <a:ext cx="1221339" cy="1"/>
+          </a:xfrm>
+          <a:prstGeom prst="line">
+            <a:avLst/>
+          </a:prstGeom>
+        </p:spPr>
+        <p:style>
+          <a:lnRef idx="3">
+            <a:schemeClr val="accent1"/>
+          </a:lnRef>
+          <a:fillRef idx="0">
+            <a:schemeClr val="accent1"/>
+          </a:fillRef>
+          <a:effectRef idx="2">
+            <a:schemeClr val="accent1"/>
+          </a:effectRef>
+          <a:fontRef idx="minor">
+            <a:schemeClr val="tx1"/>
+          </a:fontRef>
+        </p:style>
+      </p:cxnSp>
+      <p:cxnSp>
+        <p:nvCxnSpPr>
+          <p:cNvPr id="41" name="직선 연결선 40">
+            <a:extLst>
+              <a:ext uri="{FF2B5EF4-FFF2-40B4-BE49-F238E27FC236}">
+                <a16:creationId xmlns:a16="http://schemas.microsoft.com/office/drawing/2014/main" id="{7AF0FDA9-AB46-43BE-9115-D6D01C78FE59}"/>
+              </a:ext>
+            </a:extLst>
+          </p:cNvPr>
+          <p:cNvCxnSpPr/>
+          <p:nvPr/>
+        </p:nvCxnSpPr>
+        <p:spPr>
+          <a:xfrm flipV="1">
+            <a:off x="7667837" y="3021303"/>
+            <a:ext cx="0" cy="682094"/>
+          </a:xfrm>
+          <a:prstGeom prst="line">
+            <a:avLst/>
+          </a:prstGeom>
+        </p:spPr>
+        <p:style>
+          <a:lnRef idx="3">
+            <a:schemeClr val="accent1"/>
+          </a:lnRef>
+          <a:fillRef idx="0">
+            <a:schemeClr val="accent1"/>
+          </a:fillRef>
+          <a:effectRef idx="2">
+            <a:schemeClr val="accent1"/>
+          </a:effectRef>
+          <a:fontRef idx="minor">
+            <a:schemeClr val="tx1"/>
+          </a:fontRef>
+        </p:style>
+      </p:cxnSp>
+      <p:cxnSp>
+        <p:nvCxnSpPr>
+          <p:cNvPr id="45" name="직선 연결선 44">
+            <a:extLst>
+              <a:ext uri="{FF2B5EF4-FFF2-40B4-BE49-F238E27FC236}">
+                <a16:creationId xmlns:a16="http://schemas.microsoft.com/office/drawing/2014/main" id="{9017E656-B39B-428E-AFFA-CD9876E1B803}"/>
+              </a:ext>
+            </a:extLst>
+          </p:cNvPr>
+          <p:cNvCxnSpPr/>
+          <p:nvPr/>
+        </p:nvCxnSpPr>
+        <p:spPr>
+          <a:xfrm>
+            <a:off x="7650760" y="3021303"/>
+            <a:ext cx="1317071" cy="0"/>
+          </a:xfrm>
+          <a:prstGeom prst="line">
+            <a:avLst/>
+          </a:prstGeom>
+        </p:spPr>
+        <p:style>
+          <a:lnRef idx="3">
+            <a:schemeClr val="accent1"/>
+          </a:lnRef>
+          <a:fillRef idx="0">
+            <a:schemeClr val="accent1"/>
+          </a:fillRef>
+          <a:effectRef idx="2">
+            <a:schemeClr val="accent1"/>
+          </a:effectRef>
+          <a:fontRef idx="minor">
+            <a:schemeClr val="tx1"/>
+          </a:fontRef>
+        </p:style>
+      </p:cxnSp>
+      <p:cxnSp>
+        <p:nvCxnSpPr>
+          <p:cNvPr id="48" name="직선 화살표 연결선 47">
+            <a:extLst>
+              <a:ext uri="{FF2B5EF4-FFF2-40B4-BE49-F238E27FC236}">
+                <a16:creationId xmlns:a16="http://schemas.microsoft.com/office/drawing/2014/main" id="{6831B346-A8C8-4523-818B-DE53C5F05D8A}"/>
+              </a:ext>
+            </a:extLst>
+          </p:cNvPr>
+          <p:cNvCxnSpPr/>
+          <p:nvPr/>
+        </p:nvCxnSpPr>
+        <p:spPr>
+          <a:xfrm flipV="1">
+            <a:off x="8976220" y="2209263"/>
+            <a:ext cx="0" cy="812040"/>
+          </a:xfrm>
+          <a:prstGeom prst="straightConnector1">
+            <a:avLst/>
+          </a:prstGeom>
+          <a:ln>
+            <a:tailEnd type="triangle"/>
+          </a:ln>
+        </p:spPr>
+        <p:style>
+          <a:lnRef idx="3">
+            <a:schemeClr val="accent1"/>
+          </a:lnRef>
+          <a:fillRef idx="0">
+            <a:schemeClr val="accent1"/>
+          </a:fillRef>
+          <a:effectRef idx="2">
+            <a:schemeClr val="accent1"/>
+          </a:effectRef>
+          <a:fontRef idx="minor">
+            <a:schemeClr val="tx1"/>
+          </a:fontRef>
+        </p:style>
+      </p:cxnSp>
+      <p:cxnSp>
+        <p:nvCxnSpPr>
+          <p:cNvPr id="50" name="직선 연결선 49">
+            <a:extLst>
+              <a:ext uri="{FF2B5EF4-FFF2-40B4-BE49-F238E27FC236}">
+                <a16:creationId xmlns:a16="http://schemas.microsoft.com/office/drawing/2014/main" id="{BBBDD923-E924-44F1-B582-85D859B75BED}"/>
+              </a:ext>
+            </a:extLst>
+          </p:cNvPr>
+          <p:cNvCxnSpPr>
+            <a:cxnSpLocks/>
+          </p:cNvCxnSpPr>
+          <p:nvPr/>
+        </p:nvCxnSpPr>
+        <p:spPr>
+          <a:xfrm>
+            <a:off x="7667837" y="3703397"/>
+            <a:ext cx="0" cy="743705"/>
+          </a:xfrm>
+          <a:prstGeom prst="line">
+            <a:avLst/>
+          </a:prstGeom>
+        </p:spPr>
+        <p:style>
+          <a:lnRef idx="3">
+            <a:schemeClr val="accent1"/>
+          </a:lnRef>
+          <a:fillRef idx="0">
+            <a:schemeClr val="accent1"/>
+          </a:fillRef>
+          <a:effectRef idx="2">
+            <a:schemeClr val="accent1"/>
+          </a:effectRef>
+          <a:fontRef idx="minor">
+            <a:schemeClr val="tx1"/>
+          </a:fontRef>
+        </p:style>
+      </p:cxnSp>
+      <p:cxnSp>
+        <p:nvCxnSpPr>
+          <p:cNvPr id="52" name="직선 화살표 연결선 51">
+            <a:extLst>
+              <a:ext uri="{FF2B5EF4-FFF2-40B4-BE49-F238E27FC236}">
+                <a16:creationId xmlns:a16="http://schemas.microsoft.com/office/drawing/2014/main" id="{819DA185-8B16-479B-A02A-BC56CC5E5851}"/>
+              </a:ext>
+            </a:extLst>
+          </p:cNvPr>
+          <p:cNvCxnSpPr/>
+          <p:nvPr/>
+        </p:nvCxnSpPr>
+        <p:spPr>
+          <a:xfrm>
+            <a:off x="7661904" y="4429387"/>
+            <a:ext cx="361976" cy="0"/>
+          </a:xfrm>
+          <a:prstGeom prst="straightConnector1">
+            <a:avLst/>
+          </a:prstGeom>
+          <a:ln>
             <a:tailEnd type="triangle"/>
           </a:ln>
         </p:spPr>
